--- a/last/시스템 프로그래밍.pptx
+++ b/last/시스템 프로그래밍.pptx
@@ -9,20 +9,19 @@
     <p:sldId id="259" r:id="rId3"/>
     <p:sldId id="260" r:id="rId4"/>
     <p:sldId id="261" r:id="rId5"/>
-    <p:sldId id="273" r:id="rId6"/>
-    <p:sldId id="257" r:id="rId7"/>
-    <p:sldId id="262" r:id="rId8"/>
-    <p:sldId id="263" r:id="rId9"/>
-    <p:sldId id="264" r:id="rId10"/>
-    <p:sldId id="265" r:id="rId11"/>
-    <p:sldId id="266" r:id="rId12"/>
-    <p:sldId id="267" r:id="rId13"/>
-    <p:sldId id="268" r:id="rId14"/>
-    <p:sldId id="269" r:id="rId15"/>
-    <p:sldId id="270" r:id="rId16"/>
-    <p:sldId id="271" r:id="rId17"/>
-    <p:sldId id="272" r:id="rId18"/>
-    <p:sldId id="258" r:id="rId19"/>
+    <p:sldId id="257" r:id="rId6"/>
+    <p:sldId id="262" r:id="rId7"/>
+    <p:sldId id="263" r:id="rId8"/>
+    <p:sldId id="264" r:id="rId9"/>
+    <p:sldId id="265" r:id="rId10"/>
+    <p:sldId id="266" r:id="rId11"/>
+    <p:sldId id="267" r:id="rId12"/>
+    <p:sldId id="268" r:id="rId13"/>
+    <p:sldId id="269" r:id="rId14"/>
+    <p:sldId id="270" r:id="rId15"/>
+    <p:sldId id="271" r:id="rId16"/>
+    <p:sldId id="272" r:id="rId17"/>
+    <p:sldId id="258" r:id="rId18"/>
   </p:sldIdLst>
   <p:sldSz cx="12192000" cy="6858000"/>
   <p:notesSz cx="6858000" cy="9144000"/>
@@ -276,7 +275,7 @@
           <a:p>
             <a:fld id="{1D1BEB73-42D4-494E-B9C1-7BB9D6AB0E93}" type="datetimeFigureOut">
               <a:rPr lang="ko-KR" altLang="en-US" smtClean="0"/>
-              <a:t>2025-06-11</a:t>
+              <a:t>2025-06-13</a:t>
             </a:fld>
             <a:endParaRPr lang="ko-KR" altLang="en-US"/>
           </a:p>
@@ -474,7 +473,7 @@
           <a:p>
             <a:fld id="{1D1BEB73-42D4-494E-B9C1-7BB9D6AB0E93}" type="datetimeFigureOut">
               <a:rPr lang="ko-KR" altLang="en-US" smtClean="0"/>
-              <a:t>2025-06-11</a:t>
+              <a:t>2025-06-13</a:t>
             </a:fld>
             <a:endParaRPr lang="ko-KR" altLang="en-US"/>
           </a:p>
@@ -682,7 +681,7 @@
           <a:p>
             <a:fld id="{1D1BEB73-42D4-494E-B9C1-7BB9D6AB0E93}" type="datetimeFigureOut">
               <a:rPr lang="ko-KR" altLang="en-US" smtClean="0"/>
-              <a:t>2025-06-11</a:t>
+              <a:t>2025-06-13</a:t>
             </a:fld>
             <a:endParaRPr lang="ko-KR" altLang="en-US"/>
           </a:p>
@@ -880,7 +879,7 @@
           <a:p>
             <a:fld id="{1D1BEB73-42D4-494E-B9C1-7BB9D6AB0E93}" type="datetimeFigureOut">
               <a:rPr lang="ko-KR" altLang="en-US" smtClean="0"/>
-              <a:t>2025-06-11</a:t>
+              <a:t>2025-06-13</a:t>
             </a:fld>
             <a:endParaRPr lang="ko-KR" altLang="en-US"/>
           </a:p>
@@ -1155,7 +1154,7 @@
           <a:p>
             <a:fld id="{1D1BEB73-42D4-494E-B9C1-7BB9D6AB0E93}" type="datetimeFigureOut">
               <a:rPr lang="ko-KR" altLang="en-US" smtClean="0"/>
-              <a:t>2025-06-11</a:t>
+              <a:t>2025-06-13</a:t>
             </a:fld>
             <a:endParaRPr lang="ko-KR" altLang="en-US"/>
           </a:p>
@@ -1420,7 +1419,7 @@
           <a:p>
             <a:fld id="{1D1BEB73-42D4-494E-B9C1-7BB9D6AB0E93}" type="datetimeFigureOut">
               <a:rPr lang="ko-KR" altLang="en-US" smtClean="0"/>
-              <a:t>2025-06-11</a:t>
+              <a:t>2025-06-13</a:t>
             </a:fld>
             <a:endParaRPr lang="ko-KR" altLang="en-US"/>
           </a:p>
@@ -1832,7 +1831,7 @@
           <a:p>
             <a:fld id="{1D1BEB73-42D4-494E-B9C1-7BB9D6AB0E93}" type="datetimeFigureOut">
               <a:rPr lang="ko-KR" altLang="en-US" smtClean="0"/>
-              <a:t>2025-06-11</a:t>
+              <a:t>2025-06-13</a:t>
             </a:fld>
             <a:endParaRPr lang="ko-KR" altLang="en-US"/>
           </a:p>
@@ -1973,7 +1972,7 @@
           <a:p>
             <a:fld id="{1D1BEB73-42D4-494E-B9C1-7BB9D6AB0E93}" type="datetimeFigureOut">
               <a:rPr lang="ko-KR" altLang="en-US" smtClean="0"/>
-              <a:t>2025-06-11</a:t>
+              <a:t>2025-06-13</a:t>
             </a:fld>
             <a:endParaRPr lang="ko-KR" altLang="en-US"/>
           </a:p>
@@ -2086,7 +2085,7 @@
           <a:p>
             <a:fld id="{1D1BEB73-42D4-494E-B9C1-7BB9D6AB0E93}" type="datetimeFigureOut">
               <a:rPr lang="ko-KR" altLang="en-US" smtClean="0"/>
-              <a:t>2025-06-11</a:t>
+              <a:t>2025-06-13</a:t>
             </a:fld>
             <a:endParaRPr lang="ko-KR" altLang="en-US"/>
           </a:p>
@@ -2397,7 +2396,7 @@
           <a:p>
             <a:fld id="{1D1BEB73-42D4-494E-B9C1-7BB9D6AB0E93}" type="datetimeFigureOut">
               <a:rPr lang="ko-KR" altLang="en-US" smtClean="0"/>
-              <a:t>2025-06-11</a:t>
+              <a:t>2025-06-13</a:t>
             </a:fld>
             <a:endParaRPr lang="ko-KR" altLang="en-US"/>
           </a:p>
@@ -2685,7 +2684,7 @@
           <a:p>
             <a:fld id="{1D1BEB73-42D4-494E-B9C1-7BB9D6AB0E93}" type="datetimeFigureOut">
               <a:rPr lang="ko-KR" altLang="en-US" smtClean="0"/>
-              <a:t>2025-06-11</a:t>
+              <a:t>2025-06-13</a:t>
             </a:fld>
             <a:endParaRPr lang="ko-KR" altLang="en-US"/>
           </a:p>
@@ -2926,7 +2925,7 @@
           <a:p>
             <a:fld id="{1D1BEB73-42D4-494E-B9C1-7BB9D6AB0E93}" type="datetimeFigureOut">
               <a:rPr lang="ko-KR" altLang="en-US" smtClean="0"/>
-              <a:t>2025-06-11</a:t>
+              <a:t>2025-06-13</a:t>
             </a:fld>
             <a:endParaRPr lang="ko-KR" altLang="en-US"/>
           </a:p>
@@ -3458,135 +3457,6 @@
         <p:cNvPr id="1" name="">
           <a:extLst>
             <a:ext uri="{FF2B5EF4-FFF2-40B4-BE49-F238E27FC236}">
-              <a16:creationId xmlns:a16="http://schemas.microsoft.com/office/drawing/2014/main" id="{80A74F13-AAD7-97D4-3CBE-C8840AE348EE}"/>
-            </a:ext>
-          </a:extLst>
-        </p:cNvPr>
-        <p:cNvGrpSpPr/>
-        <p:nvPr/>
-      </p:nvGrpSpPr>
-      <p:grpSpPr>
-        <a:xfrm>
-          <a:off x="0" y="0"/>
-          <a:ext cx="0" cy="0"/>
-          <a:chOff x="0" y="0"/>
-          <a:chExt cx="0" cy="0"/>
-        </a:xfrm>
-      </p:grpSpPr>
-      <p:sp>
-        <p:nvSpPr>
-          <p:cNvPr id="2" name="제목 1">
-            <a:extLst>
-              <a:ext uri="{FF2B5EF4-FFF2-40B4-BE49-F238E27FC236}">
-                <a16:creationId xmlns:a16="http://schemas.microsoft.com/office/drawing/2014/main" id="{3F1C0E02-01D6-CF91-5892-857966DA23D0}"/>
-              </a:ext>
-            </a:extLst>
-          </p:cNvPr>
-          <p:cNvSpPr>
-            <a:spLocks noGrp="1"/>
-          </p:cNvSpPr>
-          <p:nvPr>
-            <p:ph type="title"/>
-          </p:nvPr>
-        </p:nvSpPr>
-        <p:spPr/>
-        <p:txBody>
-          <a:bodyPr/>
-          <a:lstStyle/>
-          <a:p>
-            <a:r>
-              <a:rPr lang="en-US" altLang="ko-KR" dirty="0"/>
-              <a:t>0404</a:t>
-            </a:r>
-            <a:endParaRPr lang="ko-KR" altLang="en-US" dirty="0">
-              <a:solidFill>
-                <a:srgbClr val="FF0000"/>
-              </a:solidFill>
-            </a:endParaRPr>
-          </a:p>
-        </p:txBody>
-      </p:sp>
-      <p:pic>
-        <p:nvPicPr>
-          <p:cNvPr id="3" name="그림 2">
-            <a:extLst>
-              <a:ext uri="{FF2B5EF4-FFF2-40B4-BE49-F238E27FC236}">
-                <a16:creationId xmlns:a16="http://schemas.microsoft.com/office/drawing/2014/main" id="{9A374FD5-65D9-865D-0983-737904184547}"/>
-              </a:ext>
-            </a:extLst>
-          </p:cNvPr>
-          <p:cNvPicPr>
-            <a:picLocks noChangeAspect="1"/>
-          </p:cNvPicPr>
-          <p:nvPr/>
-        </p:nvPicPr>
-        <p:blipFill>
-          <a:blip r:embed="rId2"/>
-          <a:stretch>
-            <a:fillRect/>
-          </a:stretch>
-        </p:blipFill>
-        <p:spPr>
-          <a:xfrm>
-            <a:off x="8603889" y="2221574"/>
-            <a:ext cx="2470725" cy="2944191"/>
-          </a:xfrm>
-          <a:prstGeom prst="rect">
-            <a:avLst/>
-          </a:prstGeom>
-        </p:spPr>
-      </p:pic>
-      <p:pic>
-        <p:nvPicPr>
-          <p:cNvPr id="5" name="그림 4">
-            <a:extLst>
-              <a:ext uri="{FF2B5EF4-FFF2-40B4-BE49-F238E27FC236}">
-                <a16:creationId xmlns:a16="http://schemas.microsoft.com/office/drawing/2014/main" id="{35849A2E-DF14-9D0D-C735-A8C8C2545B95}"/>
-              </a:ext>
-            </a:extLst>
-          </p:cNvPr>
-          <p:cNvPicPr>
-            <a:picLocks noChangeAspect="1"/>
-          </p:cNvPicPr>
-          <p:nvPr/>
-        </p:nvPicPr>
-        <p:blipFill>
-          <a:blip r:embed="rId3"/>
-          <a:stretch>
-            <a:fillRect/>
-          </a:stretch>
-        </p:blipFill>
-        <p:spPr>
-          <a:xfrm>
-            <a:off x="705489" y="1525979"/>
-            <a:ext cx="7609993" cy="5070763"/>
-          </a:xfrm>
-          <a:prstGeom prst="rect">
-            <a:avLst/>
-          </a:prstGeom>
-        </p:spPr>
-      </p:pic>
-    </p:spTree>
-    <p:extLst>
-      <p:ext uri="{BB962C8B-B14F-4D97-AF65-F5344CB8AC3E}">
-        <p14:creationId xmlns:p14="http://schemas.microsoft.com/office/powerpoint/2010/main" val="3994366859"/>
-      </p:ext>
-    </p:extLst>
-  </p:cSld>
-  <p:clrMapOvr>
-    <a:masterClrMapping/>
-  </p:clrMapOvr>
-</p:sld>
-</file>
-
-<file path=ppt/slides/slide11.xml><?xml version="1.0" encoding="utf-8"?>
-<p:sld xmlns:a="http://schemas.openxmlformats.org/drawingml/2006/main" xmlns:r="http://schemas.openxmlformats.org/officeDocument/2006/relationships" xmlns:p="http://schemas.openxmlformats.org/presentationml/2006/main">
-  <p:cSld>
-    <p:spTree>
-      <p:nvGrpSpPr>
-        <p:cNvPr id="1" name="">
-          <a:extLst>
-            <a:ext uri="{FF2B5EF4-FFF2-40B4-BE49-F238E27FC236}">
               <a16:creationId xmlns:a16="http://schemas.microsoft.com/office/drawing/2014/main" id="{660C5E9F-C8F0-E942-2B20-BC399F1580C3}"/>
             </a:ext>
           </a:extLst>
@@ -3708,7 +3578,7 @@
 </p:sld>
 </file>
 
-<file path=ppt/slides/slide12.xml><?xml version="1.0" encoding="utf-8"?>
+<file path=ppt/slides/slide11.xml><?xml version="1.0" encoding="utf-8"?>
 <p:sld xmlns:a="http://schemas.openxmlformats.org/drawingml/2006/main" xmlns:r="http://schemas.openxmlformats.org/officeDocument/2006/relationships" xmlns:p="http://schemas.openxmlformats.org/presentationml/2006/main">
   <p:cSld>
     <p:spTree>
@@ -3853,7 +3723,7 @@
 </p:sld>
 </file>
 
-<file path=ppt/slides/slide13.xml><?xml version="1.0" encoding="utf-8"?>
+<file path=ppt/slides/slide12.xml><?xml version="1.0" encoding="utf-8"?>
 <p:sld xmlns:a="http://schemas.openxmlformats.org/drawingml/2006/main" xmlns:r="http://schemas.openxmlformats.org/officeDocument/2006/relationships" xmlns:p="http://schemas.openxmlformats.org/presentationml/2006/main">
   <p:cSld>
     <p:spTree>
@@ -4003,7 +3873,7 @@
 </p:sld>
 </file>
 
-<file path=ppt/slides/slide14.xml><?xml version="1.0" encoding="utf-8"?>
+<file path=ppt/slides/slide13.xml><?xml version="1.0" encoding="utf-8"?>
 <p:sld xmlns:a="http://schemas.openxmlformats.org/drawingml/2006/main" xmlns:r="http://schemas.openxmlformats.org/officeDocument/2006/relationships" xmlns:p="http://schemas.openxmlformats.org/presentationml/2006/main">
   <p:cSld>
     <p:spTree>
@@ -4128,7 +3998,7 @@
 </p:sld>
 </file>
 
-<file path=ppt/slides/slide15.xml><?xml version="1.0" encoding="utf-8"?>
+<file path=ppt/slides/slide14.xml><?xml version="1.0" encoding="utf-8"?>
 <p:sld xmlns:a="http://schemas.openxmlformats.org/drawingml/2006/main" xmlns:r="http://schemas.openxmlformats.org/officeDocument/2006/relationships" xmlns:p="http://schemas.openxmlformats.org/presentationml/2006/main">
   <p:cSld>
     <p:spTree>
@@ -4273,7 +4143,7 @@
 </p:sld>
 </file>
 
-<file path=ppt/slides/slide16.xml><?xml version="1.0" encoding="utf-8"?>
+<file path=ppt/slides/slide15.xml><?xml version="1.0" encoding="utf-8"?>
 <p:sld xmlns:a="http://schemas.openxmlformats.org/drawingml/2006/main" xmlns:r="http://schemas.openxmlformats.org/officeDocument/2006/relationships" xmlns:p="http://schemas.openxmlformats.org/presentationml/2006/main">
   <p:cSld>
     <p:spTree>
@@ -4402,7 +4272,7 @@
 </p:sld>
 </file>
 
-<file path=ppt/slides/slide17.xml><?xml version="1.0" encoding="utf-8"?>
+<file path=ppt/slides/slide16.xml><?xml version="1.0" encoding="utf-8"?>
 <p:sld xmlns:a="http://schemas.openxmlformats.org/drawingml/2006/main" xmlns:r="http://schemas.openxmlformats.org/officeDocument/2006/relationships" xmlns:p="http://schemas.openxmlformats.org/presentationml/2006/main">
   <p:cSld>
     <p:spTree>
@@ -4531,7 +4401,7 @@
 </p:sld>
 </file>
 
-<file path=ppt/slides/slide18.xml><?xml version="1.0" encoding="utf-8"?>
+<file path=ppt/slides/slide17.xml><?xml version="1.0" encoding="utf-8"?>
 <p:sld xmlns:a="http://schemas.openxmlformats.org/drawingml/2006/main" xmlns:r="http://schemas.openxmlformats.org/officeDocument/2006/relationships" xmlns:p="http://schemas.openxmlformats.org/presentationml/2006/main">
   <p:cSld>
     <p:spTree>
@@ -4575,7 +4445,7 @@
             </a:r>
             <a:r>
               <a:rPr lang="en-US" altLang="ko-KR" dirty="0"/>
-              <a:t>: 13.5</a:t>
+              <a:t>: 28.5</a:t>
             </a:r>
             <a:r>
               <a:rPr lang="ko-KR" altLang="en-US" dirty="0"/>
@@ -4614,7 +4484,7 @@
             </a:r>
             <a:r>
               <a:rPr lang="en-US" altLang="ko-KR" dirty="0"/>
-              <a:t>15</a:t>
+              <a:t>30(15+15)</a:t>
             </a:r>
             <a:r>
               <a:rPr lang="ko-KR" altLang="en-US" dirty="0"/>
@@ -4676,10 +4546,28 @@
               <a:rPr lang="en-US" altLang="ko-KR" dirty="0"/>
               <a:t>.</a:t>
             </a:r>
+          </a:p>
+          <a:p>
+            <a:pPr marL="0" indent="0">
+              <a:buNone/>
+            </a:pPr>
             <a:r>
               <a:rPr lang="ko-KR" altLang="en-US" dirty="0"/>
-              <a:t> </a:t>
-            </a:r>
+              <a:t>프로젝트는 감점사항이 없다고 생각되어 </a:t>
+            </a:r>
+            <a:r>
+              <a:rPr lang="en-US" altLang="ko-KR" dirty="0"/>
+              <a:t>15</a:t>
+            </a:r>
+            <a:r>
+              <a:rPr lang="ko-KR" altLang="en-US" dirty="0"/>
+              <a:t>점입니다</a:t>
+            </a:r>
+            <a:r>
+              <a:rPr lang="en-US" altLang="ko-KR" dirty="0"/>
+              <a:t>.</a:t>
+            </a:r>
+            <a:endParaRPr lang="ko-KR" altLang="en-US" dirty="0"/>
           </a:p>
         </p:txBody>
       </p:sp>
@@ -5557,13 +5445,7 @@
   <p:cSld>
     <p:spTree>
       <p:nvGrpSpPr>
-        <p:cNvPr id="1" name="">
-          <a:extLst>
-            <a:ext uri="{FF2B5EF4-FFF2-40B4-BE49-F238E27FC236}">
-              <a16:creationId xmlns:a16="http://schemas.microsoft.com/office/drawing/2014/main" id="{A23A0B56-D1A6-862F-F303-487A7B3D7858}"/>
-            </a:ext>
-          </a:extLst>
-        </p:cNvPr>
+        <p:cNvPr id="1" name=""/>
         <p:cNvGrpSpPr/>
         <p:nvPr/>
       </p:nvGrpSpPr>
@@ -5580,7 +5462,7 @@
           <p:cNvPr id="2" name="제목 1">
             <a:extLst>
               <a:ext uri="{FF2B5EF4-FFF2-40B4-BE49-F238E27FC236}">
-                <a16:creationId xmlns:a16="http://schemas.microsoft.com/office/drawing/2014/main" id="{37D08700-486B-B16B-2765-7F7DD12A669F}"/>
+                <a16:creationId xmlns:a16="http://schemas.microsoft.com/office/drawing/2014/main" id="{DB0964DB-60A2-7FCB-ED4D-1124A0273FFD}"/>
               </a:ext>
             </a:extLst>
           </p:cNvPr>
@@ -5597,74 +5479,573 @@
           <a:lstStyle/>
           <a:p>
             <a:r>
+              <a:rPr lang="ko-KR" altLang="en-US" dirty="0" err="1"/>
+              <a:t>깃허브</a:t>
+            </a:r>
+            <a:r>
               <a:rPr lang="ko-KR" altLang="en-US" dirty="0"/>
-              <a:t>점수 </a:t>
+              <a:t> 정리 </a:t>
             </a:r>
             <a:r>
               <a:rPr lang="en-US" altLang="ko-KR" dirty="0"/>
-              <a:t>: 15</a:t>
-            </a:r>
-            <a:r>
-              <a:rPr lang="ko-KR" altLang="en-US" dirty="0"/>
-              <a:t>점</a:t>
-            </a:r>
-          </a:p>
-        </p:txBody>
-      </p:sp>
-      <p:sp>
-        <p:nvSpPr>
-          <p:cNvPr id="3" name="내용 개체 틀 2">
-            <a:extLst>
-              <a:ext uri="{FF2B5EF4-FFF2-40B4-BE49-F238E27FC236}">
-                <a16:creationId xmlns:a16="http://schemas.microsoft.com/office/drawing/2014/main" id="{0484D139-8A9D-859F-23A1-EC295ABA949E}"/>
-              </a:ext>
-            </a:extLst>
-          </p:cNvPr>
-          <p:cNvSpPr>
-            <a:spLocks noGrp="1"/>
-          </p:cNvSpPr>
-          <p:nvPr>
-            <p:ph idx="1"/>
-          </p:nvPr>
-        </p:nvSpPr>
-        <p:spPr/>
-        <p:txBody>
-          <a:bodyPr/>
-          <a:lstStyle/>
-          <a:p>
-            <a:pPr marL="0" indent="0">
-              <a:buNone/>
-            </a:pPr>
-            <a:r>
-              <a:rPr lang="ko-KR" altLang="en-US" dirty="0"/>
-              <a:t>총 </a:t>
-            </a:r>
-            <a:r>
-              <a:rPr lang="en-US" altLang="ko-KR" dirty="0"/>
-              <a:t>15</a:t>
-            </a:r>
-            <a:r>
-              <a:rPr lang="ko-KR" altLang="en-US" dirty="0"/>
-              <a:t>점</a:t>
-            </a:r>
-            <a:endParaRPr lang="en-US" altLang="ko-KR" dirty="0"/>
-          </a:p>
-          <a:p>
-            <a:pPr marL="0" indent="0">
-              <a:buNone/>
-            </a:pPr>
-            <a:r>
-              <a:rPr lang="ko-KR" altLang="en-US" dirty="0"/>
-              <a:t>감점사항이 없다고 생각함</a:t>
-            </a:r>
-            <a:endParaRPr lang="en-US" altLang="ko-KR" dirty="0"/>
-          </a:p>
-        </p:txBody>
-      </p:sp>
+              <a:t>0314~0530</a:t>
+            </a:r>
+            <a:endParaRPr lang="ko-KR" altLang="en-US" dirty="0"/>
+          </a:p>
+        </p:txBody>
+      </p:sp>
+      <p:pic>
+        <p:nvPicPr>
+          <p:cNvPr id="11" name="그림 10">
+            <a:extLst>
+              <a:ext uri="{FF2B5EF4-FFF2-40B4-BE49-F238E27FC236}">
+                <a16:creationId xmlns:a16="http://schemas.microsoft.com/office/drawing/2014/main" id="{2BC9D428-8D3E-9135-7E6A-DA74D13F7771}"/>
+              </a:ext>
+            </a:extLst>
+          </p:cNvPr>
+          <p:cNvPicPr>
+            <a:picLocks noChangeAspect="1"/>
+          </p:cNvPicPr>
+          <p:nvPr/>
+        </p:nvPicPr>
+        <p:blipFill>
+          <a:blip r:embed="rId2"/>
+          <a:stretch>
+            <a:fillRect/>
+          </a:stretch>
+        </p:blipFill>
+        <p:spPr>
+          <a:xfrm>
+            <a:off x="4860670" y="1416037"/>
+            <a:ext cx="2221459" cy="2647158"/>
+          </a:xfrm>
+          <a:prstGeom prst="rect">
+            <a:avLst/>
+          </a:prstGeom>
+        </p:spPr>
+      </p:pic>
+      <p:pic>
+        <p:nvPicPr>
+          <p:cNvPr id="13" name="그림 12">
+            <a:extLst>
+              <a:ext uri="{FF2B5EF4-FFF2-40B4-BE49-F238E27FC236}">
+                <a16:creationId xmlns:a16="http://schemas.microsoft.com/office/drawing/2014/main" id="{DCDB0C37-0F7A-B918-B1A3-8257322245E9}"/>
+              </a:ext>
+            </a:extLst>
+          </p:cNvPr>
+          <p:cNvPicPr>
+            <a:picLocks noChangeAspect="1"/>
+          </p:cNvPicPr>
+          <p:nvPr/>
+        </p:nvPicPr>
+        <p:blipFill>
+          <a:blip r:embed="rId3"/>
+          <a:stretch>
+            <a:fillRect/>
+          </a:stretch>
+        </p:blipFill>
+        <p:spPr>
+          <a:xfrm>
+            <a:off x="4860670" y="3829103"/>
+            <a:ext cx="2312026" cy="789598"/>
+          </a:xfrm>
+          <a:prstGeom prst="rect">
+            <a:avLst/>
+          </a:prstGeom>
+        </p:spPr>
+      </p:pic>
+      <p:pic>
+        <p:nvPicPr>
+          <p:cNvPr id="15" name="그림 14">
+            <a:extLst>
+              <a:ext uri="{FF2B5EF4-FFF2-40B4-BE49-F238E27FC236}">
+                <a16:creationId xmlns:a16="http://schemas.microsoft.com/office/drawing/2014/main" id="{4F26B38D-4EFD-70DD-3BE5-76B7B44D63D0}"/>
+              </a:ext>
+            </a:extLst>
+          </p:cNvPr>
+          <p:cNvPicPr>
+            <a:picLocks noChangeAspect="1"/>
+          </p:cNvPicPr>
+          <p:nvPr/>
+        </p:nvPicPr>
+        <p:blipFill>
+          <a:blip r:embed="rId4"/>
+          <a:stretch>
+            <a:fillRect/>
+          </a:stretch>
+        </p:blipFill>
+        <p:spPr>
+          <a:xfrm>
+            <a:off x="185998" y="2726298"/>
+            <a:ext cx="2006218" cy="1589221"/>
+          </a:xfrm>
+          <a:prstGeom prst="rect">
+            <a:avLst/>
+          </a:prstGeom>
+        </p:spPr>
+      </p:pic>
+      <p:pic>
+        <p:nvPicPr>
+          <p:cNvPr id="17" name="그림 16">
+            <a:extLst>
+              <a:ext uri="{FF2B5EF4-FFF2-40B4-BE49-F238E27FC236}">
+                <a16:creationId xmlns:a16="http://schemas.microsoft.com/office/drawing/2014/main" id="{83F48294-4171-D463-38B1-54B884A80C09}"/>
+              </a:ext>
+            </a:extLst>
+          </p:cNvPr>
+          <p:cNvPicPr>
+            <a:picLocks noChangeAspect="1"/>
+          </p:cNvPicPr>
+          <p:nvPr/>
+        </p:nvPicPr>
+        <p:blipFill>
+          <a:blip r:embed="rId5"/>
+          <a:stretch>
+            <a:fillRect/>
+          </a:stretch>
+        </p:blipFill>
+        <p:spPr>
+          <a:xfrm>
+            <a:off x="2595218" y="1532957"/>
+            <a:ext cx="2220188" cy="4642212"/>
+          </a:xfrm>
+          <a:prstGeom prst="rect">
+            <a:avLst/>
+          </a:prstGeom>
+        </p:spPr>
+      </p:pic>
+      <p:pic>
+        <p:nvPicPr>
+          <p:cNvPr id="19" name="그림 18">
+            <a:extLst>
+              <a:ext uri="{FF2B5EF4-FFF2-40B4-BE49-F238E27FC236}">
+                <a16:creationId xmlns:a16="http://schemas.microsoft.com/office/drawing/2014/main" id="{11CA0E07-BFC4-DAE7-8991-59FB759248EF}"/>
+              </a:ext>
+            </a:extLst>
+          </p:cNvPr>
+          <p:cNvPicPr>
+            <a:picLocks noChangeAspect="1"/>
+          </p:cNvPicPr>
+          <p:nvPr/>
+        </p:nvPicPr>
+        <p:blipFill>
+          <a:blip r:embed="rId6"/>
+          <a:stretch>
+            <a:fillRect/>
+          </a:stretch>
+        </p:blipFill>
+        <p:spPr>
+          <a:xfrm>
+            <a:off x="4860670" y="4774684"/>
+            <a:ext cx="2365465" cy="1160417"/>
+          </a:xfrm>
+          <a:prstGeom prst="rect">
+            <a:avLst/>
+          </a:prstGeom>
+        </p:spPr>
+      </p:pic>
+      <p:sp>
+        <p:nvSpPr>
+          <p:cNvPr id="20" name="TextBox 19">
+            <a:extLst>
+              <a:ext uri="{FF2B5EF4-FFF2-40B4-BE49-F238E27FC236}">
+                <a16:creationId xmlns:a16="http://schemas.microsoft.com/office/drawing/2014/main" id="{F4D05372-A5AD-AADB-FAA7-135DC62E228D}"/>
+              </a:ext>
+            </a:extLst>
+          </p:cNvPr>
+          <p:cNvSpPr txBox="1"/>
+          <p:nvPr/>
+        </p:nvSpPr>
+        <p:spPr>
+          <a:xfrm>
+            <a:off x="5341917" y="5935101"/>
+            <a:ext cx="1508166" cy="369332"/>
+          </a:xfrm>
+          <a:prstGeom prst="rect">
+            <a:avLst/>
+          </a:prstGeom>
+          <a:noFill/>
+        </p:spPr>
+        <p:txBody>
+          <a:bodyPr wrap="square" rtlCol="0">
+            <a:spAutoFit/>
+          </a:bodyPr>
+          <a:lstStyle/>
+          <a:p>
+            <a:r>
+              <a:rPr lang="en-US" altLang="ko-KR" dirty="0">
+                <a:solidFill>
+                  <a:srgbClr val="FF0000"/>
+                </a:solidFill>
+              </a:rPr>
+              <a:t>2</a:t>
+            </a:r>
+            <a:r>
+              <a:rPr lang="ko-KR" altLang="en-US" dirty="0">
+                <a:solidFill>
+                  <a:srgbClr val="FF0000"/>
+                </a:solidFill>
+              </a:rPr>
+              <a:t>주 늦음</a:t>
+            </a:r>
+          </a:p>
+        </p:txBody>
+      </p:sp>
+      <p:pic>
+        <p:nvPicPr>
+          <p:cNvPr id="22" name="그림 21">
+            <a:extLst>
+              <a:ext uri="{FF2B5EF4-FFF2-40B4-BE49-F238E27FC236}">
+                <a16:creationId xmlns:a16="http://schemas.microsoft.com/office/drawing/2014/main" id="{C0EDA5BE-DA2B-5D33-EC6F-B7095DEE4F77}"/>
+              </a:ext>
+            </a:extLst>
+          </p:cNvPr>
+          <p:cNvPicPr>
+            <a:picLocks noChangeAspect="1"/>
+          </p:cNvPicPr>
+          <p:nvPr/>
+        </p:nvPicPr>
+        <p:blipFill>
+          <a:blip r:embed="rId7"/>
+          <a:stretch>
+            <a:fillRect/>
+          </a:stretch>
+        </p:blipFill>
+        <p:spPr>
+          <a:xfrm>
+            <a:off x="7080860" y="1416037"/>
+            <a:ext cx="2105756" cy="1160417"/>
+          </a:xfrm>
+          <a:prstGeom prst="rect">
+            <a:avLst/>
+          </a:prstGeom>
+        </p:spPr>
+      </p:pic>
+      <p:sp>
+        <p:nvSpPr>
+          <p:cNvPr id="23" name="TextBox 22">
+            <a:extLst>
+              <a:ext uri="{FF2B5EF4-FFF2-40B4-BE49-F238E27FC236}">
+                <a16:creationId xmlns:a16="http://schemas.microsoft.com/office/drawing/2014/main" id="{6708E6E6-1725-9902-2CD2-5D990EDDF928}"/>
+              </a:ext>
+            </a:extLst>
+          </p:cNvPr>
+          <p:cNvSpPr txBox="1"/>
+          <p:nvPr/>
+        </p:nvSpPr>
+        <p:spPr>
+          <a:xfrm>
+            <a:off x="7625938" y="2420471"/>
+            <a:ext cx="1508166" cy="369332"/>
+          </a:xfrm>
+          <a:prstGeom prst="rect">
+            <a:avLst/>
+          </a:prstGeom>
+          <a:noFill/>
+        </p:spPr>
+        <p:txBody>
+          <a:bodyPr wrap="square" rtlCol="0">
+            <a:spAutoFit/>
+          </a:bodyPr>
+          <a:lstStyle/>
+          <a:p>
+            <a:r>
+              <a:rPr lang="en-US" altLang="ko-KR" dirty="0">
+                <a:solidFill>
+                  <a:srgbClr val="FF0000"/>
+                </a:solidFill>
+              </a:rPr>
+              <a:t>1</a:t>
+            </a:r>
+            <a:r>
+              <a:rPr lang="ko-KR" altLang="en-US" dirty="0">
+                <a:solidFill>
+                  <a:srgbClr val="FF0000"/>
+                </a:solidFill>
+              </a:rPr>
+              <a:t>주 늦음</a:t>
+            </a:r>
+          </a:p>
+        </p:txBody>
+      </p:sp>
+      <p:pic>
+        <p:nvPicPr>
+          <p:cNvPr id="25" name="그림 24">
+            <a:extLst>
+              <a:ext uri="{FF2B5EF4-FFF2-40B4-BE49-F238E27FC236}">
+                <a16:creationId xmlns:a16="http://schemas.microsoft.com/office/drawing/2014/main" id="{8DD66109-CCE1-A014-39A5-0E5F76E03940}"/>
+              </a:ext>
+            </a:extLst>
+          </p:cNvPr>
+          <p:cNvPicPr>
+            <a:picLocks noChangeAspect="1"/>
+          </p:cNvPicPr>
+          <p:nvPr/>
+        </p:nvPicPr>
+        <p:blipFill>
+          <a:blip r:embed="rId8"/>
+          <a:stretch>
+            <a:fillRect/>
+          </a:stretch>
+        </p:blipFill>
+        <p:spPr>
+          <a:xfrm>
+            <a:off x="7080859" y="2761120"/>
+            <a:ext cx="2105756" cy="1201099"/>
+          </a:xfrm>
+          <a:prstGeom prst="rect">
+            <a:avLst/>
+          </a:prstGeom>
+        </p:spPr>
+      </p:pic>
+      <p:pic>
+        <p:nvPicPr>
+          <p:cNvPr id="27" name="그림 26">
+            <a:extLst>
+              <a:ext uri="{FF2B5EF4-FFF2-40B4-BE49-F238E27FC236}">
+                <a16:creationId xmlns:a16="http://schemas.microsoft.com/office/drawing/2014/main" id="{368E5295-AC5D-201E-552A-AE01CADFC9B2}"/>
+              </a:ext>
+            </a:extLst>
+          </p:cNvPr>
+          <p:cNvPicPr>
+            <a:picLocks noChangeAspect="1"/>
+          </p:cNvPicPr>
+          <p:nvPr/>
+        </p:nvPicPr>
+        <p:blipFill>
+          <a:blip r:embed="rId9"/>
+          <a:stretch>
+            <a:fillRect/>
+          </a:stretch>
+        </p:blipFill>
+        <p:spPr>
+          <a:xfrm>
+            <a:off x="7067343" y="3854063"/>
+            <a:ext cx="2205367" cy="1273392"/>
+          </a:xfrm>
+          <a:prstGeom prst="rect">
+            <a:avLst/>
+          </a:prstGeom>
+        </p:spPr>
+      </p:pic>
+      <p:sp>
+        <p:nvSpPr>
+          <p:cNvPr id="28" name="TextBox 27">
+            <a:extLst>
+              <a:ext uri="{FF2B5EF4-FFF2-40B4-BE49-F238E27FC236}">
+                <a16:creationId xmlns:a16="http://schemas.microsoft.com/office/drawing/2014/main" id="{CF1F2AA4-1A7A-092A-8D0B-0DF9F77971A1}"/>
+              </a:ext>
+            </a:extLst>
+          </p:cNvPr>
+          <p:cNvSpPr txBox="1"/>
+          <p:nvPr/>
+        </p:nvSpPr>
+        <p:spPr>
+          <a:xfrm>
+            <a:off x="7479900" y="4928218"/>
+            <a:ext cx="1508166" cy="369332"/>
+          </a:xfrm>
+          <a:prstGeom prst="rect">
+            <a:avLst/>
+          </a:prstGeom>
+          <a:noFill/>
+        </p:spPr>
+        <p:txBody>
+          <a:bodyPr wrap="square" rtlCol="0">
+            <a:spAutoFit/>
+          </a:bodyPr>
+          <a:lstStyle/>
+          <a:p>
+            <a:r>
+              <a:rPr lang="en-US" altLang="ko-KR" dirty="0">
+                <a:solidFill>
+                  <a:srgbClr val="FF0000"/>
+                </a:solidFill>
+              </a:rPr>
+              <a:t>1</a:t>
+            </a:r>
+            <a:r>
+              <a:rPr lang="ko-KR" altLang="en-US" dirty="0">
+                <a:solidFill>
+                  <a:srgbClr val="FF0000"/>
+                </a:solidFill>
+              </a:rPr>
+              <a:t>주 늦음</a:t>
+            </a:r>
+          </a:p>
+        </p:txBody>
+      </p:sp>
+      <p:pic>
+        <p:nvPicPr>
+          <p:cNvPr id="30" name="그림 29">
+            <a:extLst>
+              <a:ext uri="{FF2B5EF4-FFF2-40B4-BE49-F238E27FC236}">
+                <a16:creationId xmlns:a16="http://schemas.microsoft.com/office/drawing/2014/main" id="{126828CC-FEBD-6749-0FCA-581E08B34730}"/>
+              </a:ext>
+            </a:extLst>
+          </p:cNvPr>
+          <p:cNvPicPr>
+            <a:picLocks noChangeAspect="1"/>
+          </p:cNvPicPr>
+          <p:nvPr/>
+        </p:nvPicPr>
+        <p:blipFill>
+          <a:blip r:embed="rId10"/>
+          <a:stretch>
+            <a:fillRect/>
+          </a:stretch>
+        </p:blipFill>
+        <p:spPr>
+          <a:xfrm>
+            <a:off x="9241831" y="1416037"/>
+            <a:ext cx="2454496" cy="1948904"/>
+          </a:xfrm>
+          <a:prstGeom prst="rect">
+            <a:avLst/>
+          </a:prstGeom>
+        </p:spPr>
+      </p:pic>
+      <p:pic>
+        <p:nvPicPr>
+          <p:cNvPr id="32" name="그림 31">
+            <a:extLst>
+              <a:ext uri="{FF2B5EF4-FFF2-40B4-BE49-F238E27FC236}">
+                <a16:creationId xmlns:a16="http://schemas.microsoft.com/office/drawing/2014/main" id="{29E75822-28C1-D2BC-3F89-4124952A1594}"/>
+              </a:ext>
+            </a:extLst>
+          </p:cNvPr>
+          <p:cNvPicPr>
+            <a:picLocks noChangeAspect="1"/>
+          </p:cNvPicPr>
+          <p:nvPr/>
+        </p:nvPicPr>
+        <p:blipFill>
+          <a:blip r:embed="rId11"/>
+          <a:stretch>
+            <a:fillRect/>
+          </a:stretch>
+        </p:blipFill>
+        <p:spPr>
+          <a:xfrm>
+            <a:off x="282904" y="1532957"/>
+            <a:ext cx="2404439" cy="290957"/>
+          </a:xfrm>
+          <a:prstGeom prst="rect">
+            <a:avLst/>
+          </a:prstGeom>
+        </p:spPr>
+      </p:pic>
+      <p:pic>
+        <p:nvPicPr>
+          <p:cNvPr id="34" name="그림 33">
+            <a:extLst>
+              <a:ext uri="{FF2B5EF4-FFF2-40B4-BE49-F238E27FC236}">
+                <a16:creationId xmlns:a16="http://schemas.microsoft.com/office/drawing/2014/main" id="{A2B43D6A-FD0D-9681-93C2-136317A00C74}"/>
+              </a:ext>
+            </a:extLst>
+          </p:cNvPr>
+          <p:cNvPicPr>
+            <a:picLocks noChangeAspect="1"/>
+          </p:cNvPicPr>
+          <p:nvPr/>
+        </p:nvPicPr>
+        <p:blipFill>
+          <a:blip r:embed="rId12"/>
+          <a:stretch>
+            <a:fillRect/>
+          </a:stretch>
+        </p:blipFill>
+        <p:spPr>
+          <a:xfrm>
+            <a:off x="185998" y="1723169"/>
+            <a:ext cx="2006218" cy="720294"/>
+          </a:xfrm>
+          <a:prstGeom prst="rect">
+            <a:avLst/>
+          </a:prstGeom>
+        </p:spPr>
+      </p:pic>
+      <p:sp>
+        <p:nvSpPr>
+          <p:cNvPr id="35" name="TextBox 34">
+            <a:extLst>
+              <a:ext uri="{FF2B5EF4-FFF2-40B4-BE49-F238E27FC236}">
+                <a16:creationId xmlns:a16="http://schemas.microsoft.com/office/drawing/2014/main" id="{4E7D16F2-3192-6681-8697-6903289C2759}"/>
+              </a:ext>
+            </a:extLst>
+          </p:cNvPr>
+          <p:cNvSpPr txBox="1"/>
+          <p:nvPr/>
+        </p:nvSpPr>
+        <p:spPr>
+          <a:xfrm>
+            <a:off x="543243" y="2322943"/>
+            <a:ext cx="1508166" cy="369332"/>
+          </a:xfrm>
+          <a:prstGeom prst="rect">
+            <a:avLst/>
+          </a:prstGeom>
+          <a:noFill/>
+        </p:spPr>
+        <p:txBody>
+          <a:bodyPr wrap="square" rtlCol="0">
+            <a:spAutoFit/>
+          </a:bodyPr>
+          <a:lstStyle/>
+          <a:p>
+            <a:r>
+              <a:rPr lang="en-US" altLang="ko-KR" dirty="0">
+                <a:solidFill>
+                  <a:srgbClr val="FF0000"/>
+                </a:solidFill>
+              </a:rPr>
+              <a:t>1</a:t>
+            </a:r>
+            <a:r>
+              <a:rPr lang="ko-KR" altLang="en-US" dirty="0">
+                <a:solidFill>
+                  <a:srgbClr val="FF0000"/>
+                </a:solidFill>
+              </a:rPr>
+              <a:t>주 늦음</a:t>
+            </a:r>
+          </a:p>
+        </p:txBody>
+      </p:sp>
+      <p:pic>
+        <p:nvPicPr>
+          <p:cNvPr id="37" name="그림 36">
+            <a:extLst>
+              <a:ext uri="{FF2B5EF4-FFF2-40B4-BE49-F238E27FC236}">
+                <a16:creationId xmlns:a16="http://schemas.microsoft.com/office/drawing/2014/main" id="{12A2F4F9-2409-00DF-30D2-07C576DF2C81}"/>
+              </a:ext>
+            </a:extLst>
+          </p:cNvPr>
+          <p:cNvPicPr>
+            <a:picLocks noChangeAspect="1"/>
+          </p:cNvPicPr>
+          <p:nvPr/>
+        </p:nvPicPr>
+        <p:blipFill>
+          <a:blip r:embed="rId13"/>
+          <a:stretch>
+            <a:fillRect/>
+          </a:stretch>
+        </p:blipFill>
+        <p:spPr>
+          <a:xfrm>
+            <a:off x="9348490" y="3482313"/>
+            <a:ext cx="2367536" cy="1292371"/>
+          </a:xfrm>
+          <a:prstGeom prst="rect">
+            <a:avLst/>
+          </a:prstGeom>
+        </p:spPr>
+      </p:pic>
     </p:spTree>
     <p:extLst>
       <p:ext uri="{BB962C8B-B14F-4D97-AF65-F5344CB8AC3E}">
-        <p14:creationId xmlns:p14="http://schemas.microsoft.com/office/powerpoint/2010/main" val="3086131341"/>
+        <p14:creationId xmlns:p14="http://schemas.microsoft.com/office/powerpoint/2010/main" val="2485954510"/>
       </p:ext>
     </p:extLst>
   </p:cSld>
@@ -5696,621 +6077,6 @@
           <p:cNvPr id="2" name="제목 1">
             <a:extLst>
               <a:ext uri="{FF2B5EF4-FFF2-40B4-BE49-F238E27FC236}">
-                <a16:creationId xmlns:a16="http://schemas.microsoft.com/office/drawing/2014/main" id="{DB0964DB-60A2-7FCB-ED4D-1124A0273FFD}"/>
-              </a:ext>
-            </a:extLst>
-          </p:cNvPr>
-          <p:cNvSpPr>
-            <a:spLocks noGrp="1"/>
-          </p:cNvSpPr>
-          <p:nvPr>
-            <p:ph type="title"/>
-          </p:nvPr>
-        </p:nvSpPr>
-        <p:spPr/>
-        <p:txBody>
-          <a:bodyPr/>
-          <a:lstStyle/>
-          <a:p>
-            <a:r>
-              <a:rPr lang="ko-KR" altLang="en-US" dirty="0" err="1"/>
-              <a:t>깃허브</a:t>
-            </a:r>
-            <a:r>
-              <a:rPr lang="ko-KR" altLang="en-US" dirty="0"/>
-              <a:t> 정리 </a:t>
-            </a:r>
-            <a:r>
-              <a:rPr lang="en-US" altLang="ko-KR" dirty="0"/>
-              <a:t>0314~0530</a:t>
-            </a:r>
-            <a:endParaRPr lang="ko-KR" altLang="en-US" dirty="0"/>
-          </a:p>
-        </p:txBody>
-      </p:sp>
-      <p:pic>
-        <p:nvPicPr>
-          <p:cNvPr id="11" name="그림 10">
-            <a:extLst>
-              <a:ext uri="{FF2B5EF4-FFF2-40B4-BE49-F238E27FC236}">
-                <a16:creationId xmlns:a16="http://schemas.microsoft.com/office/drawing/2014/main" id="{2BC9D428-8D3E-9135-7E6A-DA74D13F7771}"/>
-              </a:ext>
-            </a:extLst>
-          </p:cNvPr>
-          <p:cNvPicPr>
-            <a:picLocks noChangeAspect="1"/>
-          </p:cNvPicPr>
-          <p:nvPr/>
-        </p:nvPicPr>
-        <p:blipFill>
-          <a:blip r:embed="rId2"/>
-          <a:stretch>
-            <a:fillRect/>
-          </a:stretch>
-        </p:blipFill>
-        <p:spPr>
-          <a:xfrm>
-            <a:off x="4860670" y="1416037"/>
-            <a:ext cx="2221459" cy="2647158"/>
-          </a:xfrm>
-          <a:prstGeom prst="rect">
-            <a:avLst/>
-          </a:prstGeom>
-        </p:spPr>
-      </p:pic>
-      <p:pic>
-        <p:nvPicPr>
-          <p:cNvPr id="13" name="그림 12">
-            <a:extLst>
-              <a:ext uri="{FF2B5EF4-FFF2-40B4-BE49-F238E27FC236}">
-                <a16:creationId xmlns:a16="http://schemas.microsoft.com/office/drawing/2014/main" id="{DCDB0C37-0F7A-B918-B1A3-8257322245E9}"/>
-              </a:ext>
-            </a:extLst>
-          </p:cNvPr>
-          <p:cNvPicPr>
-            <a:picLocks noChangeAspect="1"/>
-          </p:cNvPicPr>
-          <p:nvPr/>
-        </p:nvPicPr>
-        <p:blipFill>
-          <a:blip r:embed="rId3"/>
-          <a:stretch>
-            <a:fillRect/>
-          </a:stretch>
-        </p:blipFill>
-        <p:spPr>
-          <a:xfrm>
-            <a:off x="4860670" y="3829103"/>
-            <a:ext cx="2312026" cy="789598"/>
-          </a:xfrm>
-          <a:prstGeom prst="rect">
-            <a:avLst/>
-          </a:prstGeom>
-        </p:spPr>
-      </p:pic>
-      <p:pic>
-        <p:nvPicPr>
-          <p:cNvPr id="15" name="그림 14">
-            <a:extLst>
-              <a:ext uri="{FF2B5EF4-FFF2-40B4-BE49-F238E27FC236}">
-                <a16:creationId xmlns:a16="http://schemas.microsoft.com/office/drawing/2014/main" id="{4F26B38D-4EFD-70DD-3BE5-76B7B44D63D0}"/>
-              </a:ext>
-            </a:extLst>
-          </p:cNvPr>
-          <p:cNvPicPr>
-            <a:picLocks noChangeAspect="1"/>
-          </p:cNvPicPr>
-          <p:nvPr/>
-        </p:nvPicPr>
-        <p:blipFill>
-          <a:blip r:embed="rId4"/>
-          <a:stretch>
-            <a:fillRect/>
-          </a:stretch>
-        </p:blipFill>
-        <p:spPr>
-          <a:xfrm>
-            <a:off x="185998" y="2726298"/>
-            <a:ext cx="2006218" cy="1589221"/>
-          </a:xfrm>
-          <a:prstGeom prst="rect">
-            <a:avLst/>
-          </a:prstGeom>
-        </p:spPr>
-      </p:pic>
-      <p:pic>
-        <p:nvPicPr>
-          <p:cNvPr id="17" name="그림 16">
-            <a:extLst>
-              <a:ext uri="{FF2B5EF4-FFF2-40B4-BE49-F238E27FC236}">
-                <a16:creationId xmlns:a16="http://schemas.microsoft.com/office/drawing/2014/main" id="{83F48294-4171-D463-38B1-54B884A80C09}"/>
-              </a:ext>
-            </a:extLst>
-          </p:cNvPr>
-          <p:cNvPicPr>
-            <a:picLocks noChangeAspect="1"/>
-          </p:cNvPicPr>
-          <p:nvPr/>
-        </p:nvPicPr>
-        <p:blipFill>
-          <a:blip r:embed="rId5"/>
-          <a:stretch>
-            <a:fillRect/>
-          </a:stretch>
-        </p:blipFill>
-        <p:spPr>
-          <a:xfrm>
-            <a:off x="2595218" y="1532957"/>
-            <a:ext cx="2220188" cy="4642212"/>
-          </a:xfrm>
-          <a:prstGeom prst="rect">
-            <a:avLst/>
-          </a:prstGeom>
-        </p:spPr>
-      </p:pic>
-      <p:pic>
-        <p:nvPicPr>
-          <p:cNvPr id="19" name="그림 18">
-            <a:extLst>
-              <a:ext uri="{FF2B5EF4-FFF2-40B4-BE49-F238E27FC236}">
-                <a16:creationId xmlns:a16="http://schemas.microsoft.com/office/drawing/2014/main" id="{11CA0E07-BFC4-DAE7-8991-59FB759248EF}"/>
-              </a:ext>
-            </a:extLst>
-          </p:cNvPr>
-          <p:cNvPicPr>
-            <a:picLocks noChangeAspect="1"/>
-          </p:cNvPicPr>
-          <p:nvPr/>
-        </p:nvPicPr>
-        <p:blipFill>
-          <a:blip r:embed="rId6"/>
-          <a:stretch>
-            <a:fillRect/>
-          </a:stretch>
-        </p:blipFill>
-        <p:spPr>
-          <a:xfrm>
-            <a:off x="4860670" y="4774684"/>
-            <a:ext cx="2365465" cy="1160417"/>
-          </a:xfrm>
-          <a:prstGeom prst="rect">
-            <a:avLst/>
-          </a:prstGeom>
-        </p:spPr>
-      </p:pic>
-      <p:sp>
-        <p:nvSpPr>
-          <p:cNvPr id="20" name="TextBox 19">
-            <a:extLst>
-              <a:ext uri="{FF2B5EF4-FFF2-40B4-BE49-F238E27FC236}">
-                <a16:creationId xmlns:a16="http://schemas.microsoft.com/office/drawing/2014/main" id="{F4D05372-A5AD-AADB-FAA7-135DC62E228D}"/>
-              </a:ext>
-            </a:extLst>
-          </p:cNvPr>
-          <p:cNvSpPr txBox="1"/>
-          <p:nvPr/>
-        </p:nvSpPr>
-        <p:spPr>
-          <a:xfrm>
-            <a:off x="5341917" y="5935101"/>
-            <a:ext cx="1508166" cy="369332"/>
-          </a:xfrm>
-          <a:prstGeom prst="rect">
-            <a:avLst/>
-          </a:prstGeom>
-          <a:noFill/>
-        </p:spPr>
-        <p:txBody>
-          <a:bodyPr wrap="square" rtlCol="0">
-            <a:spAutoFit/>
-          </a:bodyPr>
-          <a:lstStyle/>
-          <a:p>
-            <a:r>
-              <a:rPr lang="en-US" altLang="ko-KR" dirty="0">
-                <a:solidFill>
-                  <a:srgbClr val="FF0000"/>
-                </a:solidFill>
-              </a:rPr>
-              <a:t>2</a:t>
-            </a:r>
-            <a:r>
-              <a:rPr lang="ko-KR" altLang="en-US" dirty="0">
-                <a:solidFill>
-                  <a:srgbClr val="FF0000"/>
-                </a:solidFill>
-              </a:rPr>
-              <a:t>주 늦음</a:t>
-            </a:r>
-          </a:p>
-        </p:txBody>
-      </p:sp>
-      <p:pic>
-        <p:nvPicPr>
-          <p:cNvPr id="22" name="그림 21">
-            <a:extLst>
-              <a:ext uri="{FF2B5EF4-FFF2-40B4-BE49-F238E27FC236}">
-                <a16:creationId xmlns:a16="http://schemas.microsoft.com/office/drawing/2014/main" id="{C0EDA5BE-DA2B-5D33-EC6F-B7095DEE4F77}"/>
-              </a:ext>
-            </a:extLst>
-          </p:cNvPr>
-          <p:cNvPicPr>
-            <a:picLocks noChangeAspect="1"/>
-          </p:cNvPicPr>
-          <p:nvPr/>
-        </p:nvPicPr>
-        <p:blipFill>
-          <a:blip r:embed="rId7"/>
-          <a:stretch>
-            <a:fillRect/>
-          </a:stretch>
-        </p:blipFill>
-        <p:spPr>
-          <a:xfrm>
-            <a:off x="7080860" y="1416037"/>
-            <a:ext cx="2105756" cy="1160417"/>
-          </a:xfrm>
-          <a:prstGeom prst="rect">
-            <a:avLst/>
-          </a:prstGeom>
-        </p:spPr>
-      </p:pic>
-      <p:sp>
-        <p:nvSpPr>
-          <p:cNvPr id="23" name="TextBox 22">
-            <a:extLst>
-              <a:ext uri="{FF2B5EF4-FFF2-40B4-BE49-F238E27FC236}">
-                <a16:creationId xmlns:a16="http://schemas.microsoft.com/office/drawing/2014/main" id="{6708E6E6-1725-9902-2CD2-5D990EDDF928}"/>
-              </a:ext>
-            </a:extLst>
-          </p:cNvPr>
-          <p:cNvSpPr txBox="1"/>
-          <p:nvPr/>
-        </p:nvSpPr>
-        <p:spPr>
-          <a:xfrm>
-            <a:off x="7625938" y="2420471"/>
-            <a:ext cx="1508166" cy="369332"/>
-          </a:xfrm>
-          <a:prstGeom prst="rect">
-            <a:avLst/>
-          </a:prstGeom>
-          <a:noFill/>
-        </p:spPr>
-        <p:txBody>
-          <a:bodyPr wrap="square" rtlCol="0">
-            <a:spAutoFit/>
-          </a:bodyPr>
-          <a:lstStyle/>
-          <a:p>
-            <a:r>
-              <a:rPr lang="en-US" altLang="ko-KR" dirty="0">
-                <a:solidFill>
-                  <a:srgbClr val="FF0000"/>
-                </a:solidFill>
-              </a:rPr>
-              <a:t>1</a:t>
-            </a:r>
-            <a:r>
-              <a:rPr lang="ko-KR" altLang="en-US" dirty="0">
-                <a:solidFill>
-                  <a:srgbClr val="FF0000"/>
-                </a:solidFill>
-              </a:rPr>
-              <a:t>주 늦음</a:t>
-            </a:r>
-          </a:p>
-        </p:txBody>
-      </p:sp>
-      <p:pic>
-        <p:nvPicPr>
-          <p:cNvPr id="25" name="그림 24">
-            <a:extLst>
-              <a:ext uri="{FF2B5EF4-FFF2-40B4-BE49-F238E27FC236}">
-                <a16:creationId xmlns:a16="http://schemas.microsoft.com/office/drawing/2014/main" id="{8DD66109-CCE1-A014-39A5-0E5F76E03940}"/>
-              </a:ext>
-            </a:extLst>
-          </p:cNvPr>
-          <p:cNvPicPr>
-            <a:picLocks noChangeAspect="1"/>
-          </p:cNvPicPr>
-          <p:nvPr/>
-        </p:nvPicPr>
-        <p:blipFill>
-          <a:blip r:embed="rId8"/>
-          <a:stretch>
-            <a:fillRect/>
-          </a:stretch>
-        </p:blipFill>
-        <p:spPr>
-          <a:xfrm>
-            <a:off x="7080859" y="2761120"/>
-            <a:ext cx="2105756" cy="1201099"/>
-          </a:xfrm>
-          <a:prstGeom prst="rect">
-            <a:avLst/>
-          </a:prstGeom>
-        </p:spPr>
-      </p:pic>
-      <p:pic>
-        <p:nvPicPr>
-          <p:cNvPr id="27" name="그림 26">
-            <a:extLst>
-              <a:ext uri="{FF2B5EF4-FFF2-40B4-BE49-F238E27FC236}">
-                <a16:creationId xmlns:a16="http://schemas.microsoft.com/office/drawing/2014/main" id="{368E5295-AC5D-201E-552A-AE01CADFC9B2}"/>
-              </a:ext>
-            </a:extLst>
-          </p:cNvPr>
-          <p:cNvPicPr>
-            <a:picLocks noChangeAspect="1"/>
-          </p:cNvPicPr>
-          <p:nvPr/>
-        </p:nvPicPr>
-        <p:blipFill>
-          <a:blip r:embed="rId9"/>
-          <a:stretch>
-            <a:fillRect/>
-          </a:stretch>
-        </p:blipFill>
-        <p:spPr>
-          <a:xfrm>
-            <a:off x="7067343" y="3854063"/>
-            <a:ext cx="2205367" cy="1273392"/>
-          </a:xfrm>
-          <a:prstGeom prst="rect">
-            <a:avLst/>
-          </a:prstGeom>
-        </p:spPr>
-      </p:pic>
-      <p:sp>
-        <p:nvSpPr>
-          <p:cNvPr id="28" name="TextBox 27">
-            <a:extLst>
-              <a:ext uri="{FF2B5EF4-FFF2-40B4-BE49-F238E27FC236}">
-                <a16:creationId xmlns:a16="http://schemas.microsoft.com/office/drawing/2014/main" id="{CF1F2AA4-1A7A-092A-8D0B-0DF9F77971A1}"/>
-              </a:ext>
-            </a:extLst>
-          </p:cNvPr>
-          <p:cNvSpPr txBox="1"/>
-          <p:nvPr/>
-        </p:nvSpPr>
-        <p:spPr>
-          <a:xfrm>
-            <a:off x="7479900" y="4928218"/>
-            <a:ext cx="1508166" cy="369332"/>
-          </a:xfrm>
-          <a:prstGeom prst="rect">
-            <a:avLst/>
-          </a:prstGeom>
-          <a:noFill/>
-        </p:spPr>
-        <p:txBody>
-          <a:bodyPr wrap="square" rtlCol="0">
-            <a:spAutoFit/>
-          </a:bodyPr>
-          <a:lstStyle/>
-          <a:p>
-            <a:r>
-              <a:rPr lang="en-US" altLang="ko-KR" dirty="0">
-                <a:solidFill>
-                  <a:srgbClr val="FF0000"/>
-                </a:solidFill>
-              </a:rPr>
-              <a:t>1</a:t>
-            </a:r>
-            <a:r>
-              <a:rPr lang="ko-KR" altLang="en-US" dirty="0">
-                <a:solidFill>
-                  <a:srgbClr val="FF0000"/>
-                </a:solidFill>
-              </a:rPr>
-              <a:t>주 늦음</a:t>
-            </a:r>
-          </a:p>
-        </p:txBody>
-      </p:sp>
-      <p:pic>
-        <p:nvPicPr>
-          <p:cNvPr id="30" name="그림 29">
-            <a:extLst>
-              <a:ext uri="{FF2B5EF4-FFF2-40B4-BE49-F238E27FC236}">
-                <a16:creationId xmlns:a16="http://schemas.microsoft.com/office/drawing/2014/main" id="{126828CC-FEBD-6749-0FCA-581E08B34730}"/>
-              </a:ext>
-            </a:extLst>
-          </p:cNvPr>
-          <p:cNvPicPr>
-            <a:picLocks noChangeAspect="1"/>
-          </p:cNvPicPr>
-          <p:nvPr/>
-        </p:nvPicPr>
-        <p:blipFill>
-          <a:blip r:embed="rId10"/>
-          <a:stretch>
-            <a:fillRect/>
-          </a:stretch>
-        </p:blipFill>
-        <p:spPr>
-          <a:xfrm>
-            <a:off x="9241831" y="1416037"/>
-            <a:ext cx="2454496" cy="1948904"/>
-          </a:xfrm>
-          <a:prstGeom prst="rect">
-            <a:avLst/>
-          </a:prstGeom>
-        </p:spPr>
-      </p:pic>
-      <p:pic>
-        <p:nvPicPr>
-          <p:cNvPr id="32" name="그림 31">
-            <a:extLst>
-              <a:ext uri="{FF2B5EF4-FFF2-40B4-BE49-F238E27FC236}">
-                <a16:creationId xmlns:a16="http://schemas.microsoft.com/office/drawing/2014/main" id="{29E75822-28C1-D2BC-3F89-4124952A1594}"/>
-              </a:ext>
-            </a:extLst>
-          </p:cNvPr>
-          <p:cNvPicPr>
-            <a:picLocks noChangeAspect="1"/>
-          </p:cNvPicPr>
-          <p:nvPr/>
-        </p:nvPicPr>
-        <p:blipFill>
-          <a:blip r:embed="rId11"/>
-          <a:stretch>
-            <a:fillRect/>
-          </a:stretch>
-        </p:blipFill>
-        <p:spPr>
-          <a:xfrm>
-            <a:off x="282904" y="1532957"/>
-            <a:ext cx="2404439" cy="290957"/>
-          </a:xfrm>
-          <a:prstGeom prst="rect">
-            <a:avLst/>
-          </a:prstGeom>
-        </p:spPr>
-      </p:pic>
-      <p:pic>
-        <p:nvPicPr>
-          <p:cNvPr id="34" name="그림 33">
-            <a:extLst>
-              <a:ext uri="{FF2B5EF4-FFF2-40B4-BE49-F238E27FC236}">
-                <a16:creationId xmlns:a16="http://schemas.microsoft.com/office/drawing/2014/main" id="{A2B43D6A-FD0D-9681-93C2-136317A00C74}"/>
-              </a:ext>
-            </a:extLst>
-          </p:cNvPr>
-          <p:cNvPicPr>
-            <a:picLocks noChangeAspect="1"/>
-          </p:cNvPicPr>
-          <p:nvPr/>
-        </p:nvPicPr>
-        <p:blipFill>
-          <a:blip r:embed="rId12"/>
-          <a:stretch>
-            <a:fillRect/>
-          </a:stretch>
-        </p:blipFill>
-        <p:spPr>
-          <a:xfrm>
-            <a:off x="185998" y="1723169"/>
-            <a:ext cx="2006218" cy="720294"/>
-          </a:xfrm>
-          <a:prstGeom prst="rect">
-            <a:avLst/>
-          </a:prstGeom>
-        </p:spPr>
-      </p:pic>
-      <p:sp>
-        <p:nvSpPr>
-          <p:cNvPr id="35" name="TextBox 34">
-            <a:extLst>
-              <a:ext uri="{FF2B5EF4-FFF2-40B4-BE49-F238E27FC236}">
-                <a16:creationId xmlns:a16="http://schemas.microsoft.com/office/drawing/2014/main" id="{4E7D16F2-3192-6681-8697-6903289C2759}"/>
-              </a:ext>
-            </a:extLst>
-          </p:cNvPr>
-          <p:cNvSpPr txBox="1"/>
-          <p:nvPr/>
-        </p:nvSpPr>
-        <p:spPr>
-          <a:xfrm>
-            <a:off x="543243" y="2322943"/>
-            <a:ext cx="1508166" cy="369332"/>
-          </a:xfrm>
-          <a:prstGeom prst="rect">
-            <a:avLst/>
-          </a:prstGeom>
-          <a:noFill/>
-        </p:spPr>
-        <p:txBody>
-          <a:bodyPr wrap="square" rtlCol="0">
-            <a:spAutoFit/>
-          </a:bodyPr>
-          <a:lstStyle/>
-          <a:p>
-            <a:r>
-              <a:rPr lang="en-US" altLang="ko-KR" dirty="0">
-                <a:solidFill>
-                  <a:srgbClr val="FF0000"/>
-                </a:solidFill>
-              </a:rPr>
-              <a:t>1</a:t>
-            </a:r>
-            <a:r>
-              <a:rPr lang="ko-KR" altLang="en-US" dirty="0">
-                <a:solidFill>
-                  <a:srgbClr val="FF0000"/>
-                </a:solidFill>
-              </a:rPr>
-              <a:t>주 늦음</a:t>
-            </a:r>
-          </a:p>
-        </p:txBody>
-      </p:sp>
-      <p:pic>
-        <p:nvPicPr>
-          <p:cNvPr id="37" name="그림 36">
-            <a:extLst>
-              <a:ext uri="{FF2B5EF4-FFF2-40B4-BE49-F238E27FC236}">
-                <a16:creationId xmlns:a16="http://schemas.microsoft.com/office/drawing/2014/main" id="{12A2F4F9-2409-00DF-30D2-07C576DF2C81}"/>
-              </a:ext>
-            </a:extLst>
-          </p:cNvPr>
-          <p:cNvPicPr>
-            <a:picLocks noChangeAspect="1"/>
-          </p:cNvPicPr>
-          <p:nvPr/>
-        </p:nvPicPr>
-        <p:blipFill>
-          <a:blip r:embed="rId13"/>
-          <a:stretch>
-            <a:fillRect/>
-          </a:stretch>
-        </p:blipFill>
-        <p:spPr>
-          <a:xfrm>
-            <a:off x="9348490" y="3482313"/>
-            <a:ext cx="2367536" cy="1292371"/>
-          </a:xfrm>
-          <a:prstGeom prst="rect">
-            <a:avLst/>
-          </a:prstGeom>
-        </p:spPr>
-      </p:pic>
-    </p:spTree>
-    <p:extLst>
-      <p:ext uri="{BB962C8B-B14F-4D97-AF65-F5344CB8AC3E}">
-        <p14:creationId xmlns:p14="http://schemas.microsoft.com/office/powerpoint/2010/main" val="2485954510"/>
-      </p:ext>
-    </p:extLst>
-  </p:cSld>
-  <p:clrMapOvr>
-    <a:masterClrMapping/>
-  </p:clrMapOvr>
-</p:sld>
-</file>
-
-<file path=ppt/slides/slide7.xml><?xml version="1.0" encoding="utf-8"?>
-<p:sld xmlns:a="http://schemas.openxmlformats.org/drawingml/2006/main" xmlns:r="http://schemas.openxmlformats.org/officeDocument/2006/relationships" xmlns:p="http://schemas.openxmlformats.org/presentationml/2006/main">
-  <p:cSld>
-    <p:spTree>
-      <p:nvGrpSpPr>
-        <p:cNvPr id="1" name=""/>
-        <p:cNvGrpSpPr/>
-        <p:nvPr/>
-      </p:nvGrpSpPr>
-      <p:grpSpPr>
-        <a:xfrm>
-          <a:off x="0" y="0"/>
-          <a:ext cx="0" cy="0"/>
-          <a:chOff x="0" y="0"/>
-          <a:chExt cx="0" cy="0"/>
-        </a:xfrm>
-      </p:grpSpPr>
-      <p:sp>
-        <p:nvSpPr>
-          <p:cNvPr id="2" name="제목 1">
-            <a:extLst>
-              <a:ext uri="{FF2B5EF4-FFF2-40B4-BE49-F238E27FC236}">
                 <a16:creationId xmlns:a16="http://schemas.microsoft.com/office/drawing/2014/main" id="{8EDC0CD5-8B3A-2190-DA81-30117EF4FC3E}"/>
               </a:ext>
             </a:extLst>
@@ -6423,7 +6189,7 @@
 </p:sld>
 </file>
 
-<file path=ppt/slides/slide8.xml><?xml version="1.0" encoding="utf-8"?>
+<file path=ppt/slides/slide7.xml><?xml version="1.0" encoding="utf-8"?>
 <p:sld xmlns:a="http://schemas.openxmlformats.org/drawingml/2006/main" xmlns:r="http://schemas.openxmlformats.org/officeDocument/2006/relationships" xmlns:p="http://schemas.openxmlformats.org/presentationml/2006/main">
   <p:cSld>
     <p:spTree>
@@ -6552,7 +6318,7 @@
 </p:sld>
 </file>
 
-<file path=ppt/slides/slide9.xml><?xml version="1.0" encoding="utf-8"?>
+<file path=ppt/slides/slide8.xml><?xml version="1.0" encoding="utf-8"?>
 <p:sld xmlns:a="http://schemas.openxmlformats.org/drawingml/2006/main" xmlns:r="http://schemas.openxmlformats.org/officeDocument/2006/relationships" xmlns:p="http://schemas.openxmlformats.org/presentationml/2006/main">
   <p:cSld>
     <p:spTree>
@@ -6672,6 +6438,135 @@
     <p:extLst>
       <p:ext uri="{BB962C8B-B14F-4D97-AF65-F5344CB8AC3E}">
         <p14:creationId xmlns:p14="http://schemas.microsoft.com/office/powerpoint/2010/main" val="2564437859"/>
+      </p:ext>
+    </p:extLst>
+  </p:cSld>
+  <p:clrMapOvr>
+    <a:masterClrMapping/>
+  </p:clrMapOvr>
+</p:sld>
+</file>
+
+<file path=ppt/slides/slide9.xml><?xml version="1.0" encoding="utf-8"?>
+<p:sld xmlns:a="http://schemas.openxmlformats.org/drawingml/2006/main" xmlns:r="http://schemas.openxmlformats.org/officeDocument/2006/relationships" xmlns:p="http://schemas.openxmlformats.org/presentationml/2006/main">
+  <p:cSld>
+    <p:spTree>
+      <p:nvGrpSpPr>
+        <p:cNvPr id="1" name="">
+          <a:extLst>
+            <a:ext uri="{FF2B5EF4-FFF2-40B4-BE49-F238E27FC236}">
+              <a16:creationId xmlns:a16="http://schemas.microsoft.com/office/drawing/2014/main" id="{80A74F13-AAD7-97D4-3CBE-C8840AE348EE}"/>
+            </a:ext>
+          </a:extLst>
+        </p:cNvPr>
+        <p:cNvGrpSpPr/>
+        <p:nvPr/>
+      </p:nvGrpSpPr>
+      <p:grpSpPr>
+        <a:xfrm>
+          <a:off x="0" y="0"/>
+          <a:ext cx="0" cy="0"/>
+          <a:chOff x="0" y="0"/>
+          <a:chExt cx="0" cy="0"/>
+        </a:xfrm>
+      </p:grpSpPr>
+      <p:sp>
+        <p:nvSpPr>
+          <p:cNvPr id="2" name="제목 1">
+            <a:extLst>
+              <a:ext uri="{FF2B5EF4-FFF2-40B4-BE49-F238E27FC236}">
+                <a16:creationId xmlns:a16="http://schemas.microsoft.com/office/drawing/2014/main" id="{3F1C0E02-01D6-CF91-5892-857966DA23D0}"/>
+              </a:ext>
+            </a:extLst>
+          </p:cNvPr>
+          <p:cNvSpPr>
+            <a:spLocks noGrp="1"/>
+          </p:cNvSpPr>
+          <p:nvPr>
+            <p:ph type="title"/>
+          </p:nvPr>
+        </p:nvSpPr>
+        <p:spPr/>
+        <p:txBody>
+          <a:bodyPr/>
+          <a:lstStyle/>
+          <a:p>
+            <a:r>
+              <a:rPr lang="en-US" altLang="ko-KR" dirty="0"/>
+              <a:t>0404</a:t>
+            </a:r>
+            <a:endParaRPr lang="ko-KR" altLang="en-US" dirty="0">
+              <a:solidFill>
+                <a:srgbClr val="FF0000"/>
+              </a:solidFill>
+            </a:endParaRPr>
+          </a:p>
+        </p:txBody>
+      </p:sp>
+      <p:pic>
+        <p:nvPicPr>
+          <p:cNvPr id="3" name="그림 2">
+            <a:extLst>
+              <a:ext uri="{FF2B5EF4-FFF2-40B4-BE49-F238E27FC236}">
+                <a16:creationId xmlns:a16="http://schemas.microsoft.com/office/drawing/2014/main" id="{9A374FD5-65D9-865D-0983-737904184547}"/>
+              </a:ext>
+            </a:extLst>
+          </p:cNvPr>
+          <p:cNvPicPr>
+            <a:picLocks noChangeAspect="1"/>
+          </p:cNvPicPr>
+          <p:nvPr/>
+        </p:nvPicPr>
+        <p:blipFill>
+          <a:blip r:embed="rId2"/>
+          <a:stretch>
+            <a:fillRect/>
+          </a:stretch>
+        </p:blipFill>
+        <p:spPr>
+          <a:xfrm>
+            <a:off x="8603889" y="2221574"/>
+            <a:ext cx="2470725" cy="2944191"/>
+          </a:xfrm>
+          <a:prstGeom prst="rect">
+            <a:avLst/>
+          </a:prstGeom>
+        </p:spPr>
+      </p:pic>
+      <p:pic>
+        <p:nvPicPr>
+          <p:cNvPr id="5" name="그림 4">
+            <a:extLst>
+              <a:ext uri="{FF2B5EF4-FFF2-40B4-BE49-F238E27FC236}">
+                <a16:creationId xmlns:a16="http://schemas.microsoft.com/office/drawing/2014/main" id="{35849A2E-DF14-9D0D-C735-A8C8C2545B95}"/>
+              </a:ext>
+            </a:extLst>
+          </p:cNvPr>
+          <p:cNvPicPr>
+            <a:picLocks noChangeAspect="1"/>
+          </p:cNvPicPr>
+          <p:nvPr/>
+        </p:nvPicPr>
+        <p:blipFill>
+          <a:blip r:embed="rId3"/>
+          <a:stretch>
+            <a:fillRect/>
+          </a:stretch>
+        </p:blipFill>
+        <p:spPr>
+          <a:xfrm>
+            <a:off x="705489" y="1525979"/>
+            <a:ext cx="7609993" cy="5070763"/>
+          </a:xfrm>
+          <a:prstGeom prst="rect">
+            <a:avLst/>
+          </a:prstGeom>
+        </p:spPr>
+      </p:pic>
+    </p:spTree>
+    <p:extLst>
+      <p:ext uri="{BB962C8B-B14F-4D97-AF65-F5344CB8AC3E}">
+        <p14:creationId xmlns:p14="http://schemas.microsoft.com/office/powerpoint/2010/main" val="3994366859"/>
       </p:ext>
     </p:extLst>
   </p:cSld>
